--- a/master_thesis/powerpoints/renderpasses.pptx
+++ b/master_thesis/powerpoints/renderpasses.pptx
@@ -261,7 +261,7 @@
           <a:p>
             <a:fld id="{45E1E4A0-831B-45EE-801F-A36EDF2E0A8B}" type="datetimeFigureOut">
               <a:rPr lang="en-GB" smtClean="0"/>
-              <a:t>30/07/2019</a:t>
+              <a:t>15/08/2019</a:t>
             </a:fld>
             <a:endParaRPr lang="en-GB"/>
           </a:p>
@@ -461,7 +461,7 @@
           <a:p>
             <a:fld id="{45E1E4A0-831B-45EE-801F-A36EDF2E0A8B}" type="datetimeFigureOut">
               <a:rPr lang="en-GB" smtClean="0"/>
-              <a:t>30/07/2019</a:t>
+              <a:t>15/08/2019</a:t>
             </a:fld>
             <a:endParaRPr lang="en-GB"/>
           </a:p>
@@ -671,7 +671,7 @@
           <a:p>
             <a:fld id="{45E1E4A0-831B-45EE-801F-A36EDF2E0A8B}" type="datetimeFigureOut">
               <a:rPr lang="en-GB" smtClean="0"/>
-              <a:t>30/07/2019</a:t>
+              <a:t>15/08/2019</a:t>
             </a:fld>
             <a:endParaRPr lang="en-GB"/>
           </a:p>
@@ -871,7 +871,7 @@
           <a:p>
             <a:fld id="{45E1E4A0-831B-45EE-801F-A36EDF2E0A8B}" type="datetimeFigureOut">
               <a:rPr lang="en-GB" smtClean="0"/>
-              <a:t>30/07/2019</a:t>
+              <a:t>15/08/2019</a:t>
             </a:fld>
             <a:endParaRPr lang="en-GB"/>
           </a:p>
@@ -1147,7 +1147,7 @@
           <a:p>
             <a:fld id="{45E1E4A0-831B-45EE-801F-A36EDF2E0A8B}" type="datetimeFigureOut">
               <a:rPr lang="en-GB" smtClean="0"/>
-              <a:t>30/07/2019</a:t>
+              <a:t>15/08/2019</a:t>
             </a:fld>
             <a:endParaRPr lang="en-GB"/>
           </a:p>
@@ -1415,7 +1415,7 @@
           <a:p>
             <a:fld id="{45E1E4A0-831B-45EE-801F-A36EDF2E0A8B}" type="datetimeFigureOut">
               <a:rPr lang="en-GB" smtClean="0"/>
-              <a:t>30/07/2019</a:t>
+              <a:t>15/08/2019</a:t>
             </a:fld>
             <a:endParaRPr lang="en-GB"/>
           </a:p>
@@ -1830,7 +1830,7 @@
           <a:p>
             <a:fld id="{45E1E4A0-831B-45EE-801F-A36EDF2E0A8B}" type="datetimeFigureOut">
               <a:rPr lang="en-GB" smtClean="0"/>
-              <a:t>30/07/2019</a:t>
+              <a:t>15/08/2019</a:t>
             </a:fld>
             <a:endParaRPr lang="en-GB"/>
           </a:p>
@@ -1972,7 +1972,7 @@
           <a:p>
             <a:fld id="{45E1E4A0-831B-45EE-801F-A36EDF2E0A8B}" type="datetimeFigureOut">
               <a:rPr lang="en-GB" smtClean="0"/>
-              <a:t>30/07/2019</a:t>
+              <a:t>15/08/2019</a:t>
             </a:fld>
             <a:endParaRPr lang="en-GB"/>
           </a:p>
@@ -2085,7 +2085,7 @@
           <a:p>
             <a:fld id="{45E1E4A0-831B-45EE-801F-A36EDF2E0A8B}" type="datetimeFigureOut">
               <a:rPr lang="en-GB" smtClean="0"/>
-              <a:t>30/07/2019</a:t>
+              <a:t>15/08/2019</a:t>
             </a:fld>
             <a:endParaRPr lang="en-GB"/>
           </a:p>
@@ -2398,7 +2398,7 @@
           <a:p>
             <a:fld id="{45E1E4A0-831B-45EE-801F-A36EDF2E0A8B}" type="datetimeFigureOut">
               <a:rPr lang="en-GB" smtClean="0"/>
-              <a:t>30/07/2019</a:t>
+              <a:t>15/08/2019</a:t>
             </a:fld>
             <a:endParaRPr lang="en-GB"/>
           </a:p>
@@ -2687,7 +2687,7 @@
           <a:p>
             <a:fld id="{45E1E4A0-831B-45EE-801F-A36EDF2E0A8B}" type="datetimeFigureOut">
               <a:rPr lang="en-GB" smtClean="0"/>
-              <a:t>30/07/2019</a:t>
+              <a:t>15/08/2019</a:t>
             </a:fld>
             <a:endParaRPr lang="en-GB"/>
           </a:p>
@@ -2930,7 +2930,7 @@
           <a:p>
             <a:fld id="{45E1E4A0-831B-45EE-801F-A36EDF2E0A8B}" type="datetimeFigureOut">
               <a:rPr lang="en-GB" smtClean="0"/>
-              <a:t>30/07/2019</a:t>
+              <a:t>15/08/2019</a:t>
             </a:fld>
             <a:endParaRPr lang="en-GB"/>
           </a:p>
@@ -3361,8 +3361,8 @@
         </p:nvSpPr>
         <p:spPr>
           <a:xfrm>
-            <a:off x="5568324" y="233061"/>
-            <a:ext cx="805044" cy="333868"/>
+            <a:off x="5513644" y="162373"/>
+            <a:ext cx="914400" cy="333868"/>
           </a:xfrm>
           <a:prstGeom prst="rect">
             <a:avLst/>
@@ -3389,7 +3389,7 @@
             <a:pPr algn="ctr"/>
             <a:r>
               <a:rPr lang="de-DE" dirty="0"/>
-              <a:t>Scene</a:t>
+              <a:t>Objects</a:t>
             </a:r>
             <a:endParaRPr lang="en-GB" dirty="0"/>
           </a:p>
@@ -3409,8 +3409,8 @@
         </p:nvSpPr>
         <p:spPr>
           <a:xfrm>
-            <a:off x="5365446" y="804551"/>
-            <a:ext cx="1210801" cy="333868"/>
+            <a:off x="5513833" y="762768"/>
+            <a:ext cx="914400" cy="333868"/>
           </a:xfrm>
           <a:prstGeom prst="roundRect">
             <a:avLst/>
@@ -3437,7 +3437,7 @@
             <a:pPr algn="ctr"/>
             <a:r>
               <a:rPr lang="de-DE" dirty="0"/>
-              <a:t>All Portals</a:t>
+              <a:t>Portals</a:t>
             </a:r>
             <a:endParaRPr lang="en-GB" dirty="0"/>
           </a:p>
@@ -3457,8 +3457,8 @@
         </p:nvSpPr>
         <p:spPr>
           <a:xfrm>
-            <a:off x="4292080" y="1380037"/>
-            <a:ext cx="3357534" cy="333868"/>
+            <a:off x="3924320" y="1374591"/>
+            <a:ext cx="4093048" cy="333868"/>
           </a:xfrm>
           <a:prstGeom prst="rect">
             <a:avLst/>
@@ -3485,7 +3485,15 @@
             <a:pPr algn="ctr"/>
             <a:r>
               <a:rPr lang="de-DE" dirty="0"/>
-              <a:t>All Scenes </a:t>
+              <a:t>All </a:t>
+            </a:r>
+            <a:r>
+              <a:rPr lang="de-DE" dirty="0" err="1"/>
+              <a:t>objects</a:t>
+            </a:r>
+            <a:r>
+              <a:rPr lang="de-DE" dirty="0"/>
+              <a:t> </a:t>
             </a:r>
             <a:r>
               <a:rPr lang="de-DE" dirty="0" err="1"/>
@@ -3493,7 +3501,27 @@
             </a:r>
             <a:r>
               <a:rPr lang="de-DE" dirty="0"/>
-              <a:t> Recursion 0 Portals</a:t>
+              <a:t> </a:t>
+            </a:r>
+            <a:r>
+              <a:rPr lang="de-DE" dirty="0" err="1"/>
+              <a:t>each</a:t>
+            </a:r>
+            <a:r>
+              <a:rPr lang="de-DE" dirty="0"/>
+              <a:t> </a:t>
+            </a:r>
+            <a:r>
+              <a:rPr lang="de-DE" dirty="0" err="1"/>
+              <a:t>recursion</a:t>
+            </a:r>
+            <a:r>
+              <a:rPr lang="de-DE" dirty="0"/>
+              <a:t> 0 </a:t>
+            </a:r>
+            <a:r>
+              <a:rPr lang="de-DE" dirty="0" err="1"/>
+              <a:t>portal</a:t>
             </a:r>
             <a:endParaRPr lang="en-GB" dirty="0"/>
           </a:p>
@@ -3513,8 +3541,8 @@
         </p:nvSpPr>
         <p:spPr>
           <a:xfrm>
-            <a:off x="3911656" y="1965190"/>
-            <a:ext cx="4118379" cy="631524"/>
+            <a:off x="3911655" y="1980700"/>
+            <a:ext cx="4118379" cy="333867"/>
           </a:xfrm>
           <a:prstGeom prst="roundRect">
             <a:avLst/>
@@ -3541,11 +3569,11 @@
             <a:pPr algn="ctr"/>
             <a:r>
               <a:rPr lang="de-DE" dirty="0"/>
-              <a:t>All Portals </a:t>
+              <a:t>All </a:t>
             </a:r>
             <a:r>
               <a:rPr lang="de-DE" dirty="0" err="1"/>
-              <a:t>from</a:t>
+              <a:t>portals</a:t>
             </a:r>
             <a:r>
               <a:rPr lang="de-DE" dirty="0"/>
@@ -3553,11 +3581,31 @@
             </a:r>
             <a:r>
               <a:rPr lang="de-DE" dirty="0" err="1"/>
-              <a:t>previous</a:t>
+              <a:t>for</a:t>
             </a:r>
             <a:r>
               <a:rPr lang="de-DE" dirty="0"/>
-              <a:t> Scenes in Recursion 1</a:t>
+              <a:t> </a:t>
+            </a:r>
+            <a:r>
+              <a:rPr lang="de-DE" dirty="0" err="1"/>
+              <a:t>each</a:t>
+            </a:r>
+            <a:r>
+              <a:rPr lang="de-DE" dirty="0"/>
+              <a:t> </a:t>
+            </a:r>
+            <a:r>
+              <a:rPr lang="de-DE" dirty="0" err="1"/>
+              <a:t>recursion</a:t>
+            </a:r>
+            <a:r>
+              <a:rPr lang="de-DE" dirty="0"/>
+              <a:t> 0 </a:t>
+            </a:r>
+            <a:r>
+              <a:rPr lang="de-DE" dirty="0" err="1"/>
+              <a:t>portal</a:t>
             </a:r>
             <a:endParaRPr lang="en-GB" dirty="0"/>
           </a:p>
@@ -3581,8 +3629,8 @@
         </p:nvCxnSpPr>
         <p:spPr>
           <a:xfrm rot="16200000" flipV="1">
-            <a:off x="5852036" y="685739"/>
-            <a:ext cx="237622" cy="1"/>
+            <a:off x="5837676" y="629410"/>
+            <a:ext cx="266527" cy="189"/>
           </a:xfrm>
           <a:prstGeom prst="bentConnector3">
             <a:avLst/>
@@ -3624,8 +3672,8 @@
         </p:nvCxnSpPr>
         <p:spPr>
           <a:xfrm flipV="1">
-            <a:off x="5970847" y="1138419"/>
-            <a:ext cx="0" cy="241618"/>
+            <a:off x="5970844" y="1096636"/>
+            <a:ext cx="189" cy="277955"/>
           </a:xfrm>
           <a:prstGeom prst="straightConnector1">
             <a:avLst/>
@@ -3666,9 +3714,9 @@
           <p:nvPr/>
         </p:nvCxnSpPr>
         <p:spPr>
-          <a:xfrm rot="5400000" flipH="1" flipV="1">
-            <a:off x="5845204" y="1839548"/>
-            <a:ext cx="251285" cy="1"/>
+          <a:xfrm rot="16200000" flipV="1">
+            <a:off x="5834725" y="1844579"/>
+            <a:ext cx="272241" cy="1"/>
           </a:xfrm>
           <a:prstGeom prst="bentConnector3">
             <a:avLst/>
@@ -3706,8 +3754,8 @@
         </p:nvSpPr>
         <p:spPr>
           <a:xfrm>
-            <a:off x="4292079" y="2847999"/>
-            <a:ext cx="3357534" cy="333868"/>
+            <a:off x="3924322" y="2586808"/>
+            <a:ext cx="4093048" cy="333868"/>
           </a:xfrm>
           <a:prstGeom prst="rect">
             <a:avLst/>
@@ -3734,7 +3782,15 @@
             <a:pPr algn="ctr"/>
             <a:r>
               <a:rPr lang="de-DE" dirty="0"/>
-              <a:t>All Scenes </a:t>
+              <a:t>All </a:t>
+            </a:r>
+            <a:r>
+              <a:rPr lang="de-DE" dirty="0" err="1"/>
+              <a:t>objects</a:t>
+            </a:r>
+            <a:r>
+              <a:rPr lang="de-DE" dirty="0"/>
+              <a:t> </a:t>
             </a:r>
             <a:r>
               <a:rPr lang="de-DE" dirty="0" err="1"/>
@@ -3746,11 +3802,23 @@
             </a:r>
             <a:r>
               <a:rPr lang="de-DE" dirty="0" err="1"/>
+              <a:t>each</a:t>
+            </a:r>
+            <a:r>
+              <a:rPr lang="de-DE" dirty="0"/>
+              <a:t> </a:t>
+            </a:r>
+            <a:r>
+              <a:rPr lang="de-DE" dirty="0" err="1"/>
               <a:t>recursion</a:t>
             </a:r>
             <a:r>
               <a:rPr lang="de-DE" dirty="0"/>
-              <a:t> 0 Portals</a:t>
+              <a:t> 1 </a:t>
+            </a:r>
+            <a:r>
+              <a:rPr lang="de-DE" dirty="0" err="1"/>
+              <a:t>portal</a:t>
             </a:r>
             <a:endParaRPr lang="en-GB" dirty="0"/>
           </a:p>
@@ -3770,8 +3838,8 @@
         </p:nvSpPr>
         <p:spPr>
           <a:xfrm>
-            <a:off x="3911655" y="3433152"/>
-            <a:ext cx="4118379" cy="631524"/>
+            <a:off x="3911655" y="3192917"/>
+            <a:ext cx="4118379" cy="333867"/>
           </a:xfrm>
           <a:prstGeom prst="roundRect">
             <a:avLst/>
@@ -3798,11 +3866,11 @@
             <a:pPr algn="ctr"/>
             <a:r>
               <a:rPr lang="de-DE" dirty="0"/>
-              <a:t>All Portals </a:t>
+              <a:t>All </a:t>
             </a:r>
             <a:r>
               <a:rPr lang="de-DE" dirty="0" err="1"/>
-              <a:t>from</a:t>
+              <a:t>portals</a:t>
             </a:r>
             <a:r>
               <a:rPr lang="de-DE" dirty="0"/>
@@ -3810,11 +3878,31 @@
             </a:r>
             <a:r>
               <a:rPr lang="de-DE" dirty="0" err="1"/>
-              <a:t>previous</a:t>
+              <a:t>for</a:t>
             </a:r>
             <a:r>
               <a:rPr lang="de-DE" dirty="0"/>
-              <a:t> Scenes in Recursion 1</a:t>
+              <a:t> </a:t>
+            </a:r>
+            <a:r>
+              <a:rPr lang="de-DE" dirty="0" err="1"/>
+              <a:t>each</a:t>
+            </a:r>
+            <a:r>
+              <a:rPr lang="de-DE" dirty="0"/>
+              <a:t> </a:t>
+            </a:r>
+            <a:r>
+              <a:rPr lang="de-DE" dirty="0" err="1"/>
+              <a:t>recursion</a:t>
+            </a:r>
+            <a:r>
+              <a:rPr lang="de-DE"/>
+              <a:t> 1 </a:t>
+            </a:r>
+            <a:r>
+              <a:rPr lang="de-DE" dirty="0" err="1"/>
+              <a:t>portal</a:t>
             </a:r>
             <a:endParaRPr lang="en-GB" dirty="0"/>
           </a:p>
@@ -3838,8 +3926,8 @@
         </p:nvCxnSpPr>
         <p:spPr>
           <a:xfrm rot="5400000" flipH="1" flipV="1">
-            <a:off x="5845203" y="3307510"/>
-            <a:ext cx="251285" cy="1"/>
+            <a:off x="5834725" y="3056797"/>
+            <a:ext cx="272241" cy="1"/>
           </a:xfrm>
           <a:prstGeom prst="bentConnector3">
             <a:avLst/>
@@ -3863,48 +3951,6 @@
           </a:fontRef>
         </p:style>
       </p:cxnSp>
-      <p:cxnSp>
-        <p:nvCxnSpPr>
-          <p:cNvPr id="55" name="Straight Arrow Connector 54">
-            <a:extLst>
-              <a:ext uri="{FF2B5EF4-FFF2-40B4-BE49-F238E27FC236}">
-                <a16:creationId xmlns:a16="http://schemas.microsoft.com/office/drawing/2014/main" id="{C7DE0E7B-EF32-4F02-9DF5-622208873F0E}"/>
-              </a:ext>
-            </a:extLst>
-          </p:cNvPr>
-          <p:cNvCxnSpPr>
-            <a:stCxn id="69" idx="0"/>
-            <a:endCxn id="11" idx="2"/>
-          </p:cNvCxnSpPr>
-          <p:nvPr/>
-        </p:nvCxnSpPr>
-        <p:spPr>
-          <a:xfrm flipV="1">
-            <a:off x="5970846" y="2596714"/>
-            <a:ext cx="0" cy="251285"/>
-          </a:xfrm>
-          <a:prstGeom prst="straightConnector1">
-            <a:avLst/>
-          </a:prstGeom>
-          <a:ln>
-            <a:tailEnd type="triangle"/>
-          </a:ln>
-        </p:spPr>
-        <p:style>
-          <a:lnRef idx="2">
-            <a:schemeClr val="dk1"/>
-          </a:lnRef>
-          <a:fillRef idx="1">
-            <a:schemeClr val="lt1"/>
-          </a:fillRef>
-          <a:effectRef idx="0">
-            <a:schemeClr val="dk1"/>
-          </a:effectRef>
-          <a:fontRef idx="minor">
-            <a:schemeClr val="dk1"/>
-          </a:fontRef>
-        </p:style>
-      </p:cxnSp>
       <p:sp>
         <p:nvSpPr>
           <p:cNvPr id="59" name="TextBox 58">
@@ -3919,7 +3965,7 @@
         </p:nvSpPr>
         <p:spPr>
           <a:xfrm>
-            <a:off x="5799162" y="4315961"/>
+            <a:off x="5799162" y="3799025"/>
             <a:ext cx="343364" cy="369332"/>
           </a:xfrm>
           <a:prstGeom prst="rect">
@@ -3966,6 +4012,7 @@
             </a:extLst>
           </p:cNvPr>
           <p:cNvCxnSpPr>
+            <a:cxnSpLocks/>
             <a:stCxn id="59" idx="0"/>
             <a:endCxn id="74" idx="2"/>
           </p:cNvCxnSpPr>
@@ -3973,8 +4020,8 @@
         </p:nvCxnSpPr>
         <p:spPr>
           <a:xfrm rot="5400000" flipH="1" flipV="1">
-            <a:off x="5845202" y="4190319"/>
-            <a:ext cx="251285" cy="1"/>
+            <a:off x="5834724" y="3662905"/>
+            <a:ext cx="272241" cy="1"/>
           </a:xfrm>
           <a:prstGeom prst="bentConnector3">
             <a:avLst/>
@@ -4108,7 +4155,7 @@
         </p:nvSpPr>
         <p:spPr>
           <a:xfrm>
-            <a:off x="1845164" y="3037762"/>
+            <a:off x="1845164" y="2807083"/>
             <a:ext cx="1417320" cy="539495"/>
           </a:xfrm>
           <a:prstGeom prst="snip2DiagRect">
@@ -4156,7 +4203,7 @@
         </p:nvSpPr>
         <p:spPr>
           <a:xfrm>
-            <a:off x="8284464" y="233061"/>
+            <a:off x="8255012" y="162373"/>
             <a:ext cx="1437623" cy="333867"/>
           </a:xfrm>
           <a:prstGeom prst="parallelogram">
@@ -4208,7 +4255,7 @@
         </p:nvSpPr>
         <p:spPr>
           <a:xfrm>
-            <a:off x="8284464" y="793064"/>
+            <a:off x="8255013" y="762769"/>
             <a:ext cx="1437623" cy="333867"/>
           </a:xfrm>
           <a:prstGeom prst="parallelogram">
@@ -4312,7 +4359,7 @@
         </p:nvSpPr>
         <p:spPr>
           <a:xfrm>
-            <a:off x="8284464" y="2104265"/>
+            <a:off x="8255012" y="1980700"/>
             <a:ext cx="1437623" cy="333867"/>
           </a:xfrm>
           <a:prstGeom prst="parallelogram">
@@ -4364,7 +4411,7 @@
         </p:nvSpPr>
         <p:spPr>
           <a:xfrm>
-            <a:off x="8255015" y="2847999"/>
+            <a:off x="8255015" y="2566316"/>
             <a:ext cx="1437623" cy="333867"/>
           </a:xfrm>
           <a:prstGeom prst="parallelogram">
@@ -4416,7 +4463,7 @@
         </p:nvSpPr>
         <p:spPr>
           <a:xfrm>
-            <a:off x="8255015" y="3561713"/>
+            <a:off x="8255014" y="3192916"/>
             <a:ext cx="1437623" cy="333867"/>
           </a:xfrm>
           <a:prstGeom prst="parallelogram">
@@ -4454,6 +4501,49 @@
           </a:p>
         </p:txBody>
       </p:sp>
+      <p:cxnSp>
+        <p:nvCxnSpPr>
+          <p:cNvPr id="26" name="Connector: Elbow 25">
+            <a:extLst>
+              <a:ext uri="{FF2B5EF4-FFF2-40B4-BE49-F238E27FC236}">
+                <a16:creationId xmlns:a16="http://schemas.microsoft.com/office/drawing/2014/main" id="{633A92F7-A3B6-43AE-AEBB-A68EF889D9E5}"/>
+              </a:ext>
+            </a:extLst>
+          </p:cNvPr>
+          <p:cNvCxnSpPr>
+            <a:cxnSpLocks/>
+            <a:stCxn id="69" idx="0"/>
+            <a:endCxn id="11" idx="2"/>
+          </p:cNvCxnSpPr>
+          <p:nvPr/>
+        </p:nvCxnSpPr>
+        <p:spPr>
+          <a:xfrm rot="16200000" flipV="1">
+            <a:off x="5834726" y="2450687"/>
+            <a:ext cx="272241" cy="1"/>
+          </a:xfrm>
+          <a:prstGeom prst="bentConnector3">
+            <a:avLst/>
+          </a:prstGeom>
+          <a:ln>
+            <a:tailEnd type="triangle"/>
+          </a:ln>
+        </p:spPr>
+        <p:style>
+          <a:lnRef idx="2">
+            <a:schemeClr val="dk1"/>
+          </a:lnRef>
+          <a:fillRef idx="0">
+            <a:schemeClr val="dk1"/>
+          </a:fillRef>
+          <a:effectRef idx="1">
+            <a:schemeClr val="dk1"/>
+          </a:effectRef>
+          <a:fontRef idx="minor">
+            <a:schemeClr val="tx1"/>
+          </a:fontRef>
+        </p:style>
+      </p:cxnSp>
     </p:spTree>
     <p:extLst>
       <p:ext uri="{BB962C8B-B14F-4D97-AF65-F5344CB8AC3E}">
